--- a/Kolloquium-Master/kolloquium.pptx
+++ b/Kolloquium-Master/kolloquium.pptx
@@ -186,7 +186,7 @@
   </p:defaultTextStyle>
   <p:extLst>
     <p:ext uri="{EFAFB233-063F-42B5-8137-9DF3F51BA10A}">
-      <p15:sldGuideLst xmlns="" xmlns:p15="http://schemas.microsoft.com/office/powerpoint/2012/main">
+      <p15:sldGuideLst xmlns:p15="http://schemas.microsoft.com/office/powerpoint/2012/main" xmlns="">
         <p15:guide id="2" pos="2631" userDrawn="1">
           <p15:clr>
             <a:srgbClr val="A4A3A4"/>
@@ -1420,7 +1420,7 @@
             </a:r>
             <a:r>
               <a:rPr lang="de-DE" baseline="0" dirty="0" err="1" smtClean="0"/>
-              <a:t>level</a:t>
+              <a:t>levels</a:t>
             </a:r>
             <a:r>
               <a:rPr lang="de-DE" baseline="0" dirty="0" smtClean="0"/>
@@ -1749,7 +1749,95 @@
           <a:bodyPr/>
           <a:lstStyle/>
           <a:p>
-            <a:endParaRPr lang="en-GB"/>
+            <a:r>
+              <a:rPr lang="de-DE" dirty="0" smtClean="0"/>
+              <a:t>Due </a:t>
+            </a:r>
+            <a:r>
+              <a:rPr lang="de-DE" dirty="0" err="1" smtClean="0"/>
+              <a:t>to</a:t>
+            </a:r>
+            <a:r>
+              <a:rPr lang="de-DE" dirty="0" smtClean="0"/>
+              <a:t> </a:t>
+            </a:r>
+            <a:r>
+              <a:rPr lang="de-DE" dirty="0" err="1" smtClean="0"/>
+              <a:t>the</a:t>
+            </a:r>
+            <a:r>
+              <a:rPr lang="de-DE" dirty="0" smtClean="0"/>
+              <a:t> </a:t>
+            </a:r>
+            <a:r>
+              <a:rPr lang="de-DE" dirty="0" err="1" smtClean="0"/>
+              <a:t>unobtrusive</a:t>
+            </a:r>
+            <a:r>
+              <a:rPr lang="de-DE" dirty="0" smtClean="0"/>
+              <a:t> </a:t>
+            </a:r>
+            <a:r>
+              <a:rPr lang="de-DE" dirty="0" err="1" smtClean="0"/>
+              <a:t>nature</a:t>
+            </a:r>
+            <a:r>
+              <a:rPr lang="de-DE" dirty="0" smtClean="0"/>
+              <a:t> </a:t>
+            </a:r>
+            <a:r>
+              <a:rPr lang="de-DE" dirty="0" err="1" smtClean="0"/>
+              <a:t>of</a:t>
+            </a:r>
+            <a:r>
+              <a:rPr lang="de-DE" baseline="0" dirty="0" smtClean="0"/>
+              <a:t> </a:t>
+            </a:r>
+            <a:r>
+              <a:rPr lang="de-DE" baseline="0" dirty="0" err="1" smtClean="0"/>
+              <a:t>our</a:t>
+            </a:r>
+            <a:r>
+              <a:rPr lang="de-DE" baseline="0" dirty="0" smtClean="0"/>
+              <a:t> </a:t>
+            </a:r>
+            <a:r>
+              <a:rPr lang="de-DE" baseline="0" dirty="0" err="1" smtClean="0"/>
+              <a:t>recording</a:t>
+            </a:r>
+            <a:r>
+              <a:rPr lang="de-DE" baseline="0" dirty="0" smtClean="0"/>
+              <a:t> </a:t>
+            </a:r>
+            <a:r>
+              <a:rPr lang="de-DE" baseline="0" dirty="0" err="1" smtClean="0"/>
+              <a:t>device</a:t>
+            </a:r>
+            <a:r>
+              <a:rPr lang="de-DE" baseline="0" dirty="0" smtClean="0"/>
+              <a:t> </a:t>
+            </a:r>
+            <a:r>
+              <a:rPr lang="de-DE" baseline="0" dirty="0" err="1" smtClean="0"/>
+              <a:t>the</a:t>
+            </a:r>
+            <a:r>
+              <a:rPr lang="de-DE" baseline="0" dirty="0" smtClean="0"/>
+              <a:t> </a:t>
+            </a:r>
+            <a:r>
+              <a:rPr lang="de-DE" baseline="0" dirty="0" err="1" smtClean="0"/>
+              <a:t>setup</a:t>
+            </a:r>
+            <a:r>
+              <a:rPr lang="de-DE" baseline="0" dirty="0" smtClean="0"/>
+              <a:t> was </a:t>
+            </a:r>
+            <a:r>
+              <a:rPr lang="de-DE" baseline="0" dirty="0" err="1" smtClean="0"/>
+              <a:t>minimalistic</a:t>
+            </a:r>
+            <a:endParaRPr lang="en-GB" dirty="0"/>
           </a:p>
         </p:txBody>
       </p:sp>
@@ -5357,81 +5445,68 @@
           <a:lstStyle/>
           <a:p>
             <a:r>
-              <a:rPr lang="en-GB" b="1" dirty="0" smtClean="0"/>
-              <a:t>k-Fold Cross-Validation</a:t>
-            </a:r>
-          </a:p>
-          <a:p>
-            <a:r>
-              <a:rPr lang="en-GB" dirty="0" smtClean="0"/>
-              <a:t>Cross-validation is a resampling procedure used to evaluate machine learning models on a limited data sample.</a:t>
-            </a:r>
-          </a:p>
-          <a:p>
-            <a:r>
-              <a:rPr lang="en-GB" dirty="0" smtClean="0"/>
-              <a:t>The general procedure is as follows:</a:t>
-            </a:r>
-          </a:p>
-          <a:p>
-            <a:r>
-              <a:rPr lang="en-GB" dirty="0" smtClean="0"/>
-              <a:t>Shuffle the dataset randomly.</a:t>
-            </a:r>
-          </a:p>
-          <a:p>
-            <a:r>
-              <a:rPr lang="en-GB" dirty="0" smtClean="0"/>
-              <a:t>Split the dataset into k groups</a:t>
-            </a:r>
-          </a:p>
-          <a:p>
-            <a:r>
-              <a:rPr lang="en-GB" dirty="0" smtClean="0"/>
-              <a:t>For each unique group: </a:t>
-            </a:r>
-          </a:p>
-          <a:p>
-            <a:pPr lvl="1"/>
-            <a:r>
-              <a:rPr lang="en-GB" dirty="0" smtClean="0"/>
-              <a:t>Take the group as a hold out or test data set</a:t>
-            </a:r>
-          </a:p>
-          <a:p>
-            <a:pPr lvl="1"/>
-            <a:r>
-              <a:rPr lang="en-GB" dirty="0" smtClean="0"/>
-              <a:t>Take the remaining groups as a training data set</a:t>
-            </a:r>
-          </a:p>
-          <a:p>
-            <a:pPr lvl="1"/>
-            <a:r>
-              <a:rPr lang="en-GB" dirty="0" smtClean="0"/>
-              <a:t>Fit a model on the training set and evaluate it on the test set</a:t>
-            </a:r>
-          </a:p>
-          <a:p>
-            <a:pPr lvl="1"/>
-            <a:r>
-              <a:rPr lang="en-GB" dirty="0" smtClean="0"/>
-              <a:t>Retain the evaluation score and discard the model</a:t>
-            </a:r>
-          </a:p>
-          <a:p>
-            <a:r>
-              <a:rPr lang="en-GB" dirty="0" smtClean="0"/>
-              <a:t>Summarize the skill of the model using the sample of model evaluation scores</a:t>
-            </a:r>
-          </a:p>
-          <a:p>
-            <a:endParaRPr lang="en-GB" dirty="0" smtClean="0"/>
-          </a:p>
-          <a:p>
-            <a:r>
-              <a:rPr lang="en-GB" dirty="0" smtClean="0"/>
-              <a:t>Importantly, each observation in the data sample is assigned to an individual group and stays in that group for the duration of the procedure. This means that each sample is given the opportunity to be used in the hold out set 1 time and used to train the model k-1 times.</a:t>
+              <a:rPr lang="de-DE" dirty="0" smtClean="0"/>
+              <a:t>Prior</a:t>
+            </a:r>
+            <a:r>
+              <a:rPr lang="de-DE" baseline="0" dirty="0" smtClean="0"/>
+              <a:t> </a:t>
+            </a:r>
+            <a:r>
+              <a:rPr lang="de-DE" baseline="0" dirty="0" err="1" smtClean="0"/>
+              <a:t>to</a:t>
+            </a:r>
+            <a:r>
+              <a:rPr lang="de-DE" baseline="0" dirty="0" smtClean="0"/>
+              <a:t> </a:t>
+            </a:r>
+            <a:r>
+              <a:rPr lang="de-DE" baseline="0" dirty="0" err="1" smtClean="0"/>
+              <a:t>algorithm</a:t>
+            </a:r>
+            <a:r>
+              <a:rPr lang="de-DE" baseline="0" dirty="0" smtClean="0"/>
+              <a:t> </a:t>
+            </a:r>
+            <a:r>
+              <a:rPr lang="de-DE" baseline="0" dirty="0" err="1" smtClean="0"/>
+              <a:t>training</a:t>
+            </a:r>
+            <a:r>
+              <a:rPr lang="de-DE" baseline="0" dirty="0" smtClean="0"/>
+              <a:t> </a:t>
+            </a:r>
+            <a:r>
+              <a:rPr lang="de-DE" baseline="0" dirty="0" err="1" smtClean="0"/>
+              <a:t>we</a:t>
+            </a:r>
+            <a:r>
+              <a:rPr lang="de-DE" baseline="0" dirty="0" smtClean="0"/>
+              <a:t> </a:t>
+            </a:r>
+            <a:r>
+              <a:rPr lang="de-DE" baseline="0" dirty="0" err="1" smtClean="0"/>
+              <a:t>prepared</a:t>
+            </a:r>
+            <a:r>
+              <a:rPr lang="de-DE" baseline="0" dirty="0" smtClean="0"/>
+              <a:t> </a:t>
+            </a:r>
+            <a:r>
+              <a:rPr lang="de-DE" baseline="0" dirty="0" err="1" smtClean="0"/>
+              <a:t>the</a:t>
+            </a:r>
+            <a:r>
+              <a:rPr lang="de-DE" baseline="0" dirty="0" smtClean="0"/>
+              <a:t> </a:t>
+            </a:r>
+            <a:r>
+              <a:rPr lang="de-DE" baseline="0" dirty="0" err="1" smtClean="0"/>
+              <a:t>data</a:t>
+            </a:r>
+            <a:r>
+              <a:rPr lang="de-DE" baseline="0" dirty="0" smtClean="0"/>
+              <a:t> </a:t>
             </a:r>
             <a:endParaRPr lang="en-GB" dirty="0"/>
           </a:p>
@@ -5523,83 +5598,6 @@
           <a:bodyPr/>
           <a:lstStyle/>
           <a:p>
-            <a:r>
-              <a:rPr lang="en-GB" b="1" dirty="0" smtClean="0"/>
-              <a:t>k-Fold Cross-Validation</a:t>
-            </a:r>
-          </a:p>
-          <a:p>
-            <a:r>
-              <a:rPr lang="en-GB" dirty="0" smtClean="0"/>
-              <a:t>Cross-validation is a resampling procedure used to evaluate machine learning models on a limited data sample.</a:t>
-            </a:r>
-          </a:p>
-          <a:p>
-            <a:r>
-              <a:rPr lang="en-GB" dirty="0" smtClean="0"/>
-              <a:t>The general procedure is as follows:</a:t>
-            </a:r>
-          </a:p>
-          <a:p>
-            <a:r>
-              <a:rPr lang="en-GB" dirty="0" smtClean="0"/>
-              <a:t>Shuffle the dataset randomly.</a:t>
-            </a:r>
-          </a:p>
-          <a:p>
-            <a:r>
-              <a:rPr lang="en-GB" dirty="0" smtClean="0"/>
-              <a:t>Split the dataset into k groups</a:t>
-            </a:r>
-          </a:p>
-          <a:p>
-            <a:r>
-              <a:rPr lang="en-GB" dirty="0" smtClean="0"/>
-              <a:t>For each unique group: </a:t>
-            </a:r>
-          </a:p>
-          <a:p>
-            <a:pPr lvl="1"/>
-            <a:r>
-              <a:rPr lang="en-GB" dirty="0" smtClean="0"/>
-              <a:t>Take the group as a hold out or test data set</a:t>
-            </a:r>
-          </a:p>
-          <a:p>
-            <a:pPr lvl="1"/>
-            <a:r>
-              <a:rPr lang="en-GB" dirty="0" smtClean="0"/>
-              <a:t>Take the remaining groups as a training data set</a:t>
-            </a:r>
-          </a:p>
-          <a:p>
-            <a:pPr lvl="1"/>
-            <a:r>
-              <a:rPr lang="en-GB" dirty="0" smtClean="0"/>
-              <a:t>Fit a model on the training set and evaluate it on the test set</a:t>
-            </a:r>
-          </a:p>
-          <a:p>
-            <a:pPr lvl="1"/>
-            <a:r>
-              <a:rPr lang="en-GB" dirty="0" smtClean="0"/>
-              <a:t>Retain the evaluation score and discard the model</a:t>
-            </a:r>
-          </a:p>
-          <a:p>
-            <a:r>
-              <a:rPr lang="en-GB" dirty="0" smtClean="0"/>
-              <a:t>Summarize the skill of the model using the sample of model evaluation scores</a:t>
-            </a:r>
-          </a:p>
-          <a:p>
-            <a:endParaRPr lang="en-GB" dirty="0" smtClean="0"/>
-          </a:p>
-          <a:p>
-            <a:r>
-              <a:rPr lang="en-GB" dirty="0" smtClean="0"/>
-              <a:t>Importantly, each observation in the data sample is assigned to an individual group and stays in that group for the duration of the procedure. This means that each sample is given the opportunity to be used in the hold out set 1 time and used to train the model k-1 times.</a:t>
-            </a:r>
             <a:endParaRPr lang="en-GB" dirty="0"/>
           </a:p>
         </p:txBody>
@@ -5691,81 +5689,80 @@
           <a:lstStyle/>
           <a:p>
             <a:r>
-              <a:rPr lang="en-GB" b="1" dirty="0" smtClean="0"/>
-              <a:t>k-Fold Cross-Validation</a:t>
-            </a:r>
-          </a:p>
-          <a:p>
-            <a:r>
-              <a:rPr lang="en-GB" dirty="0" smtClean="0"/>
-              <a:t>Cross-validation is a resampling procedure used to evaluate machine learning models on a limited data sample.</a:t>
-            </a:r>
-          </a:p>
-          <a:p>
-            <a:r>
-              <a:rPr lang="en-GB" dirty="0" smtClean="0"/>
-              <a:t>The general procedure is as follows:</a:t>
-            </a:r>
-          </a:p>
-          <a:p>
-            <a:r>
-              <a:rPr lang="en-GB" dirty="0" smtClean="0"/>
-              <a:t>Shuffle the dataset randomly.</a:t>
-            </a:r>
-          </a:p>
-          <a:p>
-            <a:r>
-              <a:rPr lang="en-GB" dirty="0" smtClean="0"/>
-              <a:t>Split the dataset into k groups</a:t>
-            </a:r>
-          </a:p>
-          <a:p>
-            <a:r>
-              <a:rPr lang="en-GB" dirty="0" smtClean="0"/>
-              <a:t>For each unique group: </a:t>
-            </a:r>
-          </a:p>
-          <a:p>
-            <a:pPr lvl="1"/>
-            <a:r>
-              <a:rPr lang="en-GB" dirty="0" smtClean="0"/>
-              <a:t>Take the group as a hold out or test data set</a:t>
-            </a:r>
-          </a:p>
-          <a:p>
-            <a:pPr lvl="1"/>
-            <a:r>
-              <a:rPr lang="en-GB" dirty="0" smtClean="0"/>
-              <a:t>Take the remaining groups as a training data set</a:t>
-            </a:r>
-          </a:p>
-          <a:p>
-            <a:pPr lvl="1"/>
-            <a:r>
-              <a:rPr lang="en-GB" dirty="0" smtClean="0"/>
-              <a:t>Fit a model on the training set and evaluate it on the test set</a:t>
-            </a:r>
-          </a:p>
-          <a:p>
-            <a:pPr lvl="1"/>
-            <a:r>
-              <a:rPr lang="en-GB" dirty="0" smtClean="0"/>
-              <a:t>Retain the evaluation score and discard the model</a:t>
-            </a:r>
-          </a:p>
-          <a:p>
-            <a:r>
-              <a:rPr lang="en-GB" dirty="0" smtClean="0"/>
-              <a:t>Summarize the skill of the model using the sample of model evaluation scores</a:t>
-            </a:r>
-          </a:p>
-          <a:p>
-            <a:endParaRPr lang="en-GB" dirty="0" smtClean="0"/>
-          </a:p>
-          <a:p>
-            <a:r>
-              <a:rPr lang="en-GB" dirty="0" smtClean="0"/>
-              <a:t>Importantly, each observation in the data sample is assigned to an individual group and stays in that group for the duration of the procedure. This means that each sample is given the opportunity to be used in the hold out set 1 time and used to train the model k-1 times.</a:t>
+              <a:rPr lang="de-DE" dirty="0" err="1" smtClean="0"/>
+              <a:t>Investigate</a:t>
+            </a:r>
+            <a:r>
+              <a:rPr lang="de-DE" baseline="0" dirty="0" smtClean="0"/>
+              <a:t> </a:t>
+            </a:r>
+            <a:r>
+              <a:rPr lang="de-DE" baseline="0" dirty="0" err="1" smtClean="0"/>
+              <a:t>the</a:t>
+            </a:r>
+            <a:r>
+              <a:rPr lang="de-DE" baseline="0" dirty="0" smtClean="0"/>
+              <a:t> </a:t>
+            </a:r>
+            <a:r>
+              <a:rPr lang="de-DE" baseline="0" dirty="0" err="1" smtClean="0"/>
+              <a:t>effects</a:t>
+            </a:r>
+            <a:r>
+              <a:rPr lang="de-DE" baseline="0" dirty="0" smtClean="0"/>
+              <a:t> </a:t>
+            </a:r>
+            <a:r>
+              <a:rPr lang="de-DE" baseline="0" dirty="0" err="1" smtClean="0"/>
+              <a:t>of</a:t>
+            </a:r>
+            <a:r>
+              <a:rPr lang="de-DE" baseline="0" dirty="0" smtClean="0"/>
+              <a:t> </a:t>
+            </a:r>
+            <a:r>
+              <a:rPr lang="de-DE" baseline="0" dirty="0" err="1" smtClean="0"/>
+              <a:t>certain</a:t>
+            </a:r>
+            <a:r>
+              <a:rPr lang="de-DE" baseline="0" dirty="0" smtClean="0"/>
+              <a:t> </a:t>
+            </a:r>
+            <a:r>
+              <a:rPr lang="de-DE" baseline="0" dirty="0" err="1" smtClean="0"/>
+              <a:t>feature</a:t>
+            </a:r>
+            <a:r>
+              <a:rPr lang="de-DE" baseline="0" dirty="0" smtClean="0"/>
+              <a:t> </a:t>
+            </a:r>
+            <a:r>
+              <a:rPr lang="de-DE" baseline="0" dirty="0" err="1" smtClean="0"/>
+              <a:t>combinations</a:t>
+            </a:r>
+            <a:r>
+              <a:rPr lang="de-DE" baseline="0" dirty="0" smtClean="0"/>
+              <a:t> </a:t>
+            </a:r>
+            <a:r>
+              <a:rPr lang="de-DE" baseline="0" dirty="0" err="1" smtClean="0"/>
+              <a:t>and</a:t>
+            </a:r>
+            <a:r>
+              <a:rPr lang="de-DE" baseline="0" dirty="0" smtClean="0"/>
+              <a:t> individual </a:t>
+            </a:r>
+            <a:r>
+              <a:rPr lang="de-DE" baseline="0" dirty="0" err="1" smtClean="0"/>
+              <a:t>feature</a:t>
+            </a:r>
+            <a:r>
+              <a:rPr lang="de-DE" baseline="0" dirty="0" smtClean="0"/>
+              <a:t> </a:t>
+            </a:r>
+            <a:r>
+              <a:rPr lang="de-DE" baseline="0" dirty="0" err="1" smtClean="0"/>
+              <a:t>groups</a:t>
             </a:r>
             <a:endParaRPr lang="en-GB" dirty="0"/>
           </a:p>
@@ -11565,7 +11562,19 @@
             </a:r>
             <a:r>
               <a:rPr lang="de-DE" dirty="0" smtClean="0"/>
-              <a:t>, 50% male, </a:t>
+              <a:t>, </a:t>
+            </a:r>
+            <a:r>
+              <a:rPr lang="de-DE" dirty="0" smtClean="0"/>
+              <a:t>7 male/ 7 </a:t>
+            </a:r>
+            <a:r>
+              <a:rPr lang="de-DE" dirty="0" err="1" smtClean="0"/>
+              <a:t>female</a:t>
+            </a:r>
+            <a:r>
+              <a:rPr lang="de-DE" dirty="0" smtClean="0"/>
+              <a:t>, </a:t>
             </a:r>
             <a:r>
               <a:rPr lang="de-DE" dirty="0" err="1" smtClean="0"/>
@@ -11576,20 +11585,8 @@
               <a:t> </a:t>
             </a:r>
             <a:r>
-              <a:rPr lang="de-DE" dirty="0" err="1" smtClean="0"/>
-              <a:t>between</a:t>
-            </a:r>
-            <a:r>
-              <a:rPr lang="de-DE" dirty="0" smtClean="0"/>
-              <a:t> 24 </a:t>
-            </a:r>
-            <a:r>
-              <a:rPr lang="de-DE" dirty="0" err="1" smtClean="0"/>
-              <a:t>and</a:t>
-            </a:r>
-            <a:r>
-              <a:rPr lang="de-DE" dirty="0" smtClean="0"/>
-              <a:t> 50 </a:t>
+              <a:rPr lang="de-DE" dirty="0" smtClean="0"/>
+              <a:t>24-50 </a:t>
             </a:r>
             <a:r>
               <a:rPr lang="de-DE" dirty="0" err="1" smtClean="0"/>
@@ -11635,8 +11632,13 @@
             </a:r>
             <a:r>
               <a:rPr lang="de-DE" dirty="0" smtClean="0"/>
-              <a:t> Test</a:t>
-            </a:r>
+              <a:t> </a:t>
+            </a:r>
+            <a:r>
+              <a:rPr lang="de-DE" dirty="0" smtClean="0"/>
+              <a:t>Test</a:t>
+            </a:r>
+            <a:endParaRPr lang="de-DE" dirty="0" smtClean="0"/>
           </a:p>
           <a:p>
             <a:pPr marL="342900" indent="-342900">
@@ -11830,7 +11832,7 @@
         <p:spPr>
           <a:xfrm>
             <a:off x="627302" y="1405462"/>
-            <a:ext cx="7881697" cy="2862322"/>
+            <a:ext cx="7881697" cy="3170099"/>
           </a:xfrm>
           <a:prstGeom prst="rect">
             <a:avLst/>
@@ -11857,9 +11859,9 @@
             <a:endParaRPr lang="de-DE" dirty="0" smtClean="0"/>
           </a:p>
           <a:p>
-            <a:pPr marL="342900" indent="-342900">
-              <a:buFont typeface="Arial" panose="020B0604020202020204" pitchFamily="34" charset="0"/>
-              <a:buChar char="•"/>
+            <a:pPr marL="457200" indent="-457200">
+              <a:buFont typeface="+mj-lt"/>
+              <a:buAutoNum type="arabicPeriod"/>
             </a:pPr>
             <a:r>
               <a:rPr lang="de-DE" dirty="0" smtClean="0"/>
@@ -11867,9 +11869,9 @@
             </a:r>
           </a:p>
           <a:p>
-            <a:pPr marL="342900" indent="-342900">
-              <a:buFont typeface="Arial" panose="020B0604020202020204" pitchFamily="34" charset="0"/>
-              <a:buChar char="•"/>
+            <a:pPr marL="457200" indent="-457200">
+              <a:buFont typeface="+mj-lt"/>
+              <a:buAutoNum type="arabicPeriod"/>
             </a:pPr>
             <a:r>
               <a:rPr lang="de-DE" dirty="0" smtClean="0"/>
@@ -11885,9 +11887,9 @@
             </a:r>
           </a:p>
           <a:p>
-            <a:pPr marL="342900" indent="-342900">
-              <a:buFont typeface="Arial" panose="020B0604020202020204" pitchFamily="34" charset="0"/>
-              <a:buChar char="•"/>
+            <a:pPr marL="457200" indent="-457200">
+              <a:buFont typeface="+mj-lt"/>
+              <a:buAutoNum type="arabicPeriod"/>
             </a:pPr>
             <a:r>
               <a:rPr lang="de-DE" dirty="0" err="1" smtClean="0"/>
@@ -11899,9 +11901,9 @@
             </a:r>
           </a:p>
           <a:p>
-            <a:pPr marL="342900" indent="-342900">
-              <a:buFont typeface="Arial" panose="020B0604020202020204" pitchFamily="34" charset="0"/>
-              <a:buChar char="•"/>
+            <a:pPr marL="457200" indent="-457200">
+              <a:buFont typeface="+mj-lt"/>
+              <a:buAutoNum type="arabicPeriod"/>
             </a:pPr>
             <a:r>
               <a:rPr lang="de-DE" dirty="0" smtClean="0"/>
@@ -11917,9 +11919,9 @@
             </a:r>
           </a:p>
           <a:p>
-            <a:pPr marL="342900" indent="-342900">
-              <a:buFont typeface="Arial" panose="020B0604020202020204" pitchFamily="34" charset="0"/>
-              <a:buChar char="•"/>
+            <a:pPr marL="457200" indent="-457200">
+              <a:buFont typeface="+mj-lt"/>
+              <a:buAutoNum type="arabicPeriod"/>
             </a:pPr>
             <a:r>
               <a:rPr lang="de-DE" dirty="0" smtClean="0"/>
@@ -11954,13 +11956,16 @@
               <a:rPr lang="de-DE" dirty="0" err="1" smtClean="0"/>
               <a:t>session</a:t>
             </a:r>
-            <a:r>
-              <a:rPr lang="de-DE" dirty="0" smtClean="0"/>
-              <a:t>, plus a </a:t>
-            </a:r>
-            <a:r>
-              <a:rPr lang="de-DE" dirty="0" err="1" smtClean="0"/>
-              <a:t>cooldown</a:t>
+            <a:endParaRPr lang="de-DE" dirty="0" smtClean="0"/>
+          </a:p>
+          <a:p>
+            <a:pPr marL="342900" indent="-342900">
+              <a:buFont typeface="Arial" panose="020B0604020202020204" pitchFamily="34" charset="0"/>
+              <a:buChar char="•"/>
+            </a:pPr>
+            <a:r>
+              <a:rPr lang="de-DE" dirty="0" err="1" smtClean="0"/>
+              <a:t>Cooldown</a:t>
             </a:r>
             <a:r>
               <a:rPr lang="de-DE" dirty="0" smtClean="0"/>
@@ -11976,20 +11981,9 @@
             </a:r>
             <a:r>
               <a:rPr lang="de-DE" dirty="0" err="1" smtClean="0"/>
-              <a:t>each</a:t>
-            </a:r>
-            <a:r>
-              <a:rPr lang="de-DE" dirty="0" smtClean="0"/>
-              <a:t> </a:t>
-            </a:r>
-            <a:r>
-              <a:rPr lang="de-DE" dirty="0" err="1" smtClean="0"/>
-              <a:t>session</a:t>
-            </a:r>
-            <a:r>
-              <a:rPr lang="de-DE" dirty="0" smtClean="0"/>
-              <a:t> </a:t>
-            </a:r>
+              <a:t>task</a:t>
+            </a:r>
+            <a:endParaRPr lang="de-DE" dirty="0" smtClean="0"/>
           </a:p>
         </p:txBody>
       </p:sp>
@@ -13293,7 +13287,7 @@
         <p:spPr>
           <a:xfrm>
             <a:off x="826721" y="1718731"/>
-            <a:ext cx="6962162" cy="400110"/>
+            <a:ext cx="7032694" cy="400110"/>
           </a:xfrm>
           <a:prstGeom prst="rect">
             <a:avLst/>
@@ -13308,7 +13302,7 @@
           <a:p>
             <a:r>
               <a:rPr lang="de-DE" dirty="0" smtClean="0"/>
-              <a:t>Zero-phase </a:t>
+              <a:t> Zero-phase </a:t>
             </a:r>
             <a:r>
               <a:rPr lang="de-DE" dirty="0" err="1" smtClean="0"/>
@@ -14747,12 +14741,8 @@
               <a:t> block </a:t>
             </a:r>
             <a:r>
-              <a:rPr lang="de-DE" dirty="0" err="1" smtClean="0"/>
-              <a:t>is</a:t>
-            </a:r>
-            <a:r>
-              <a:rPr lang="de-DE" dirty="0" smtClean="0"/>
-              <a:t> </a:t>
+              <a:rPr lang="de-DE" dirty="0" smtClean="0"/>
+              <a:t>was </a:t>
             </a:r>
             <a:r>
               <a:rPr lang="de-DE" dirty="0" err="1" smtClean="0"/>
@@ -14804,11 +14794,15 @@
             </a:r>
             <a:r>
               <a:rPr lang="de-DE" dirty="0" err="1" smtClean="0"/>
-              <a:t>exceeds</a:t>
-            </a:r>
-            <a:r>
-              <a:rPr lang="de-DE" dirty="0" smtClean="0"/>
-              <a:t> a </a:t>
+              <a:t>exceeded</a:t>
+            </a:r>
+            <a:r>
+              <a:rPr lang="de-DE" dirty="0" smtClean="0"/>
+              <a:t> </a:t>
+            </a:r>
+            <a:r>
+              <a:rPr lang="de-DE" dirty="0" smtClean="0"/>
+              <a:t>a </a:t>
             </a:r>
             <a:r>
               <a:rPr lang="de-DE" dirty="0" err="1" smtClean="0"/>
@@ -15332,7 +15326,7 @@
         <p:spPr>
           <a:xfrm>
             <a:off x="934260" y="1879600"/>
-            <a:ext cx="7730187" cy="2246769"/>
+            <a:ext cx="7730187" cy="2554545"/>
           </a:xfrm>
           <a:prstGeom prst="rect">
             <a:avLst/>
@@ -15375,8 +15369,8 @@
               <a:t>A block </a:t>
             </a:r>
             <a:r>
-              <a:rPr lang="de-DE" dirty="0" err="1" smtClean="0"/>
-              <a:t>is</a:t>
+              <a:rPr lang="de-DE" dirty="0" smtClean="0"/>
+              <a:t>was</a:t>
             </a:r>
             <a:r>
               <a:rPr lang="de-DE" dirty="0" smtClean="0"/>
@@ -15415,12 +15409,12 @@
               <a:t> </a:t>
             </a:r>
             <a:r>
-              <a:rPr lang="de-DE" dirty="0" err="1" smtClean="0"/>
-              <a:t>is</a:t>
-            </a:r>
-            <a:r>
-              <a:rPr lang="de-DE" dirty="0" smtClean="0"/>
-              <a:t> wider </a:t>
+              <a:rPr lang="de-DE" dirty="0" smtClean="0"/>
+              <a:t>was </a:t>
+            </a:r>
+            <a:r>
+              <a:rPr lang="de-DE" dirty="0" smtClean="0"/>
+              <a:t>wider </a:t>
             </a:r>
             <a:r>
               <a:rPr lang="de-DE" dirty="0" err="1" smtClean="0"/>
@@ -15923,12 +15917,8 @@
               <a:buChar char="•"/>
             </a:pPr>
             <a:r>
-              <a:rPr lang="de-DE" dirty="0" err="1" smtClean="0"/>
-              <a:t>Calculate</a:t>
-            </a:r>
-            <a:r>
-              <a:rPr lang="de-DE" dirty="0" smtClean="0"/>
-              <a:t> Inter-Beat-</a:t>
+              <a:rPr lang="de-DE" dirty="0" smtClean="0"/>
+              <a:t>Inter-Beat-</a:t>
             </a:r>
             <a:r>
               <a:rPr lang="de-DE" dirty="0" err="1" smtClean="0"/>
@@ -15936,7 +15926,27 @@
             </a:r>
             <a:r>
               <a:rPr lang="de-DE" dirty="0" smtClean="0"/>
-              <a:t> (IBI) </a:t>
+              <a:t> </a:t>
+            </a:r>
+            <a:r>
+              <a:rPr lang="de-DE" dirty="0" smtClean="0"/>
+              <a:t>(IBI) </a:t>
+            </a:r>
+            <a:r>
+              <a:rPr lang="de-DE" dirty="0" err="1" smtClean="0"/>
+              <a:t>were</a:t>
+            </a:r>
+            <a:r>
+              <a:rPr lang="de-DE" dirty="0" smtClean="0"/>
+              <a:t> </a:t>
+            </a:r>
+            <a:r>
+              <a:rPr lang="de-DE" dirty="0" err="1" smtClean="0"/>
+              <a:t>calculated</a:t>
+            </a:r>
+            <a:r>
+              <a:rPr lang="de-DE" dirty="0" smtClean="0"/>
+              <a:t>, </a:t>
             </a:r>
             <a:r>
               <a:rPr lang="de-DE" dirty="0" err="1" smtClean="0"/>
@@ -16766,7 +16776,7 @@
             </a:pPr>
             <a:r>
               <a:rPr lang="de-DE" dirty="0" smtClean="0"/>
-              <a:t>i.e. An </a:t>
+              <a:t>An </a:t>
             </a:r>
             <a:r>
               <a:rPr lang="de-DE" dirty="0" err="1" smtClean="0"/>
@@ -16774,7 +16784,11 @@
             </a:r>
             <a:r>
               <a:rPr lang="de-DE" dirty="0" smtClean="0"/>
-              <a:t> was </a:t>
+              <a:t> </a:t>
+            </a:r>
+            <a:r>
+              <a:rPr lang="de-DE" dirty="0" smtClean="0"/>
+              <a:t>was </a:t>
             </a:r>
             <a:r>
               <a:rPr lang="de-DE" dirty="0" err="1" smtClean="0"/>
@@ -17633,7 +17647,7 @@
         </p:nvSpPr>
         <p:spPr>
           <a:xfrm>
-            <a:off x="934258" y="3522133"/>
+            <a:off x="934258" y="3547533"/>
             <a:ext cx="7730187" cy="707886"/>
           </a:xfrm>
           <a:prstGeom prst="rect">
@@ -17669,7 +17683,11 @@
             </a:r>
             <a:r>
               <a:rPr lang="de-DE" dirty="0" smtClean="0"/>
-              <a:t> at least 80% </a:t>
+              <a:t> </a:t>
+            </a:r>
+            <a:r>
+              <a:rPr lang="de-DE" dirty="0" smtClean="0"/>
+              <a:t>at least 80% </a:t>
             </a:r>
             <a:r>
               <a:rPr lang="de-DE" dirty="0" err="1" smtClean="0"/>
@@ -17690,22 +17708,6 @@
             <a:r>
               <a:rPr lang="de-DE" dirty="0" err="1" smtClean="0"/>
               <a:t>segment</a:t>
-            </a:r>
-            <a:r>
-              <a:rPr lang="de-DE" dirty="0" smtClean="0"/>
-              <a:t> </a:t>
-            </a:r>
-            <a:r>
-              <a:rPr lang="de-DE" dirty="0" err="1" smtClean="0"/>
-              <a:t>of</a:t>
-            </a:r>
-            <a:r>
-              <a:rPr lang="de-DE" dirty="0" smtClean="0"/>
-              <a:t> </a:t>
-            </a:r>
-            <a:r>
-              <a:rPr lang="de-DE" dirty="0" err="1" smtClean="0"/>
-              <a:t>data</a:t>
             </a:r>
             <a:r>
               <a:rPr lang="de-DE" dirty="0" smtClean="0"/>
@@ -19715,7 +19717,7 @@
         <p:spPr>
           <a:xfrm>
             <a:off x="934257" y="1275364"/>
-            <a:ext cx="7730187" cy="1938992"/>
+            <a:ext cx="7730187" cy="3477875"/>
           </a:xfrm>
           <a:prstGeom prst="rect">
             <a:avLst/>
@@ -19729,9 +19731,16 @@
           <a:lstStyle/>
           <a:p>
             <a:r>
+              <a:rPr lang="de-DE" b="1" dirty="0" smtClean="0"/>
+              <a:t>Data </a:t>
+            </a:r>
+            <a:r>
               <a:rPr lang="de-DE" b="1" dirty="0" err="1" smtClean="0"/>
               <a:t>Preparation</a:t>
             </a:r>
+            <a:endParaRPr lang="de-DE" b="1" dirty="0" smtClean="0"/>
+          </a:p>
+          <a:p>
             <a:endParaRPr lang="de-DE" b="1" dirty="0"/>
           </a:p>
           <a:p>
@@ -19748,7 +19757,11 @@
             </a:pPr>
             <a:r>
               <a:rPr lang="de-DE" dirty="0" smtClean="0"/>
-              <a:t>Generating Trainings- </a:t>
+              <a:t>Generating </a:t>
+            </a:r>
+            <a:r>
+              <a:rPr lang="de-DE" dirty="0" smtClean="0"/>
+              <a:t>Data- </a:t>
             </a:r>
             <a:r>
               <a:rPr lang="de-DE" dirty="0" err="1" smtClean="0"/>
@@ -19756,7 +19769,27 @@
             </a:r>
             <a:r>
               <a:rPr lang="de-DE" dirty="0" smtClean="0"/>
-              <a:t> Test-Data </a:t>
+              <a:t> Feature Sets</a:t>
+            </a:r>
+          </a:p>
+          <a:p>
+            <a:pPr marL="342900" indent="-342900">
+              <a:buFont typeface="Arial" panose="020B0604020202020204" pitchFamily="34" charset="0"/>
+              <a:buChar char="•"/>
+            </a:pPr>
+            <a:endParaRPr lang="de-DE" dirty="0" smtClean="0"/>
+          </a:p>
+          <a:p>
+            <a:endParaRPr lang="de-DE" dirty="0" smtClean="0"/>
+          </a:p>
+          <a:p>
+            <a:pPr marL="342900" indent="-342900">
+              <a:buFont typeface="Arial" panose="020B0604020202020204" pitchFamily="34" charset="0"/>
+              <a:buChar char="•"/>
+            </a:pPr>
+            <a:r>
+              <a:rPr lang="de-DE" dirty="0" smtClean="0"/>
+              <a:t>Split Data </a:t>
             </a:r>
             <a:r>
               <a:rPr lang="de-DE" dirty="0" err="1" smtClean="0"/>
@@ -19766,6 +19799,50 @@
               <a:rPr lang="de-DE" dirty="0" smtClean="0"/>
               <a:t> </a:t>
             </a:r>
+            <a:r>
+              <a:rPr lang="de-DE" dirty="0" err="1" smtClean="0"/>
+              <a:t>into</a:t>
+            </a:r>
+            <a:r>
+              <a:rPr lang="de-DE" dirty="0" smtClean="0"/>
+              <a:t> </a:t>
+            </a:r>
+            <a:r>
+              <a:rPr lang="de-DE" dirty="0" err="1" smtClean="0"/>
+              <a:t>training</a:t>
+            </a:r>
+            <a:r>
+              <a:rPr lang="de-DE" dirty="0" smtClean="0"/>
+              <a:t> </a:t>
+            </a:r>
+            <a:r>
+              <a:rPr lang="de-DE" dirty="0" err="1" smtClean="0"/>
+              <a:t>and</a:t>
+            </a:r>
+            <a:r>
+              <a:rPr lang="de-DE" dirty="0" smtClean="0"/>
+              <a:t> </a:t>
+            </a:r>
+            <a:r>
+              <a:rPr lang="de-DE" dirty="0" err="1" smtClean="0"/>
+              <a:t>test</a:t>
+            </a:r>
+            <a:r>
+              <a:rPr lang="de-DE" dirty="0" smtClean="0"/>
+              <a:t> </a:t>
+            </a:r>
+            <a:r>
+              <a:rPr lang="de-DE" dirty="0" err="1" smtClean="0"/>
+              <a:t>samples</a:t>
+            </a:r>
+            <a:endParaRPr lang="de-DE" dirty="0" smtClean="0"/>
+          </a:p>
+          <a:p>
+            <a:pPr marL="342900" indent="-342900">
+              <a:buFont typeface="Arial" panose="020B0604020202020204" pitchFamily="34" charset="0"/>
+              <a:buChar char="•"/>
+            </a:pPr>
+            <a:endParaRPr lang="de-DE" dirty="0" smtClean="0"/>
           </a:p>
           <a:p>
             <a:endParaRPr lang="de-DE" dirty="0"/>
@@ -19978,7 +20055,7 @@
         <p:spPr>
           <a:xfrm>
             <a:off x="934257" y="1275364"/>
-            <a:ext cx="7730187" cy="2246769"/>
+            <a:ext cx="7730187" cy="3477875"/>
           </a:xfrm>
           <a:prstGeom prst="rect">
             <a:avLst/>
@@ -19993,9 +20070,217 @@
           <a:p>
             <a:r>
               <a:rPr lang="de-DE" b="1" dirty="0" smtClean="0"/>
-              <a:t>Data Sets</a:t>
-            </a:r>
+              <a:t>Data </a:t>
+            </a:r>
+            <a:r>
+              <a:rPr lang="de-DE" b="1" dirty="0" smtClean="0"/>
+              <a:t>Sets</a:t>
+            </a:r>
+          </a:p>
+          <a:p>
             <a:endParaRPr lang="de-DE" b="1" dirty="0"/>
+          </a:p>
+          <a:p>
+            <a:r>
+              <a:rPr lang="de-DE" dirty="0" err="1" smtClean="0"/>
+              <a:t>Complete</a:t>
+            </a:r>
+            <a:r>
+              <a:rPr lang="de-DE" dirty="0" smtClean="0"/>
+              <a:t> </a:t>
+            </a:r>
+            <a:r>
+              <a:rPr lang="de-DE" dirty="0" err="1" smtClean="0"/>
+              <a:t>set</a:t>
+            </a:r>
+            <a:r>
+              <a:rPr lang="de-DE" dirty="0" smtClean="0"/>
+              <a:t>, </a:t>
+            </a:r>
+            <a:r>
+              <a:rPr lang="de-DE" dirty="0" err="1" smtClean="0"/>
+              <a:t>featuring</a:t>
+            </a:r>
+            <a:r>
+              <a:rPr lang="de-DE" dirty="0" smtClean="0"/>
+              <a:t> </a:t>
+            </a:r>
+            <a:r>
+              <a:rPr lang="de-DE" dirty="0" err="1" smtClean="0"/>
+              <a:t>data</a:t>
+            </a:r>
+            <a:r>
+              <a:rPr lang="de-DE" dirty="0" smtClean="0"/>
+              <a:t> </a:t>
+            </a:r>
+            <a:r>
+              <a:rPr lang="de-DE" dirty="0" err="1" smtClean="0"/>
+              <a:t>of</a:t>
+            </a:r>
+            <a:r>
+              <a:rPr lang="de-DE" dirty="0" smtClean="0"/>
+              <a:t> all </a:t>
+            </a:r>
+            <a:r>
+              <a:rPr lang="de-DE" dirty="0" err="1" smtClean="0"/>
+              <a:t>recording</a:t>
+            </a:r>
+            <a:r>
+              <a:rPr lang="de-DE" dirty="0" smtClean="0"/>
+              <a:t> </a:t>
+            </a:r>
+            <a:r>
+              <a:rPr lang="de-DE" dirty="0" err="1" smtClean="0"/>
+              <a:t>sessions</a:t>
+            </a:r>
+            <a:r>
+              <a:rPr lang="de-DE" dirty="0"/>
+              <a:t> </a:t>
+            </a:r>
+            <a:r>
+              <a:rPr lang="de-DE" dirty="0" err="1" smtClean="0"/>
+              <a:t>and</a:t>
+            </a:r>
+            <a:r>
+              <a:rPr lang="de-DE" dirty="0" smtClean="0"/>
+              <a:t> a total </a:t>
+            </a:r>
+            <a:r>
+              <a:rPr lang="de-DE" dirty="0" err="1" smtClean="0"/>
+              <a:t>of</a:t>
+            </a:r>
+            <a:r>
+              <a:rPr lang="de-DE" dirty="0" smtClean="0"/>
+              <a:t> 6 </a:t>
+            </a:r>
+            <a:r>
+              <a:rPr lang="de-DE" dirty="0" err="1" smtClean="0"/>
+              <a:t>session</a:t>
+            </a:r>
+            <a:r>
+              <a:rPr lang="de-DE" dirty="0" smtClean="0"/>
+              <a:t> </a:t>
+            </a:r>
+            <a:r>
+              <a:rPr lang="de-DE" dirty="0" err="1" smtClean="0"/>
+              <a:t>types</a:t>
+            </a:r>
+            <a:endParaRPr lang="de-DE" dirty="0" smtClean="0"/>
+          </a:p>
+          <a:p>
+            <a:endParaRPr lang="de-DE" dirty="0" smtClean="0"/>
+          </a:p>
+          <a:p>
+            <a:r>
+              <a:rPr lang="de-DE" dirty="0" err="1" smtClean="0"/>
+              <a:t>Subsets</a:t>
+            </a:r>
+            <a:r>
+              <a:rPr lang="de-DE" dirty="0" smtClean="0"/>
+              <a:t> </a:t>
+            </a:r>
+            <a:r>
+              <a:rPr lang="de-DE" dirty="0" err="1" smtClean="0"/>
+              <a:t>to</a:t>
+            </a:r>
+            <a:r>
+              <a:rPr lang="de-DE" dirty="0" smtClean="0"/>
+              <a:t> </a:t>
+            </a:r>
+            <a:r>
+              <a:rPr lang="de-DE" dirty="0" err="1" smtClean="0"/>
+              <a:t>evaluate</a:t>
+            </a:r>
+            <a:r>
+              <a:rPr lang="de-DE" dirty="0" smtClean="0"/>
+              <a:t> </a:t>
+            </a:r>
+            <a:r>
+              <a:rPr lang="de-DE" dirty="0" err="1" smtClean="0"/>
+              <a:t>the</a:t>
+            </a:r>
+            <a:r>
+              <a:rPr lang="de-DE" dirty="0" smtClean="0"/>
+              <a:t> </a:t>
+            </a:r>
+            <a:r>
+              <a:rPr lang="de-DE" dirty="0" err="1" smtClean="0"/>
+              <a:t>performance</a:t>
+            </a:r>
+            <a:r>
+              <a:rPr lang="de-DE" dirty="0" smtClean="0"/>
+              <a:t> on </a:t>
+            </a:r>
+            <a:r>
+              <a:rPr lang="de-DE" dirty="0" err="1" smtClean="0"/>
+              <a:t>binary</a:t>
+            </a:r>
+            <a:r>
+              <a:rPr lang="de-DE" dirty="0" smtClean="0"/>
+              <a:t> </a:t>
+            </a:r>
+            <a:r>
+              <a:rPr lang="de-DE" dirty="0" err="1" smtClean="0"/>
+              <a:t>classification</a:t>
+            </a:r>
+            <a:r>
+              <a:rPr lang="de-DE" dirty="0" smtClean="0"/>
+              <a:t> </a:t>
+            </a:r>
+            <a:r>
+              <a:rPr lang="de-DE" dirty="0" err="1" smtClean="0"/>
+              <a:t>tasks</a:t>
+            </a:r>
+            <a:r>
+              <a:rPr lang="de-DE" dirty="0" smtClean="0"/>
+              <a:t>, </a:t>
+            </a:r>
+            <a:r>
+              <a:rPr lang="de-DE" dirty="0" err="1" smtClean="0"/>
+              <a:t>aiming</a:t>
+            </a:r>
+            <a:r>
+              <a:rPr lang="de-DE" dirty="0" smtClean="0"/>
+              <a:t> </a:t>
+            </a:r>
+            <a:r>
+              <a:rPr lang="de-DE" dirty="0" err="1" smtClean="0"/>
+              <a:t>to</a:t>
+            </a:r>
+            <a:endParaRPr lang="de-DE" dirty="0" smtClean="0"/>
+          </a:p>
+          <a:p>
+            <a:endParaRPr lang="de-DE" dirty="0" smtClean="0"/>
+          </a:p>
+          <a:p>
+            <a:pPr marL="342900" indent="-342900">
+              <a:buFont typeface="Arial" panose="020B0604020202020204" pitchFamily="34" charset="0"/>
+              <a:buChar char="•"/>
+            </a:pPr>
+            <a:r>
+              <a:rPr lang="de-DE" dirty="0" err="1"/>
+              <a:t>I</a:t>
+            </a:r>
+            <a:r>
+              <a:rPr lang="de-DE" dirty="0" err="1" smtClean="0"/>
+              <a:t>dentify</a:t>
+            </a:r>
+            <a:r>
+              <a:rPr lang="de-DE" dirty="0" smtClean="0"/>
+              <a:t> </a:t>
+            </a:r>
+            <a:r>
+              <a:rPr lang="de-DE" dirty="0" smtClean="0"/>
+              <a:t>individual emotional </a:t>
+            </a:r>
+            <a:r>
+              <a:rPr lang="de-DE" dirty="0" err="1" smtClean="0"/>
+              <a:t>states</a:t>
+            </a:r>
+            <a:r>
+              <a:rPr lang="de-DE" dirty="0"/>
+              <a:t> </a:t>
+            </a:r>
           </a:p>
           <a:p>
             <a:pPr marL="342900" indent="-342900">
@@ -20010,181 +20295,12 @@
               <a:buChar char="•"/>
             </a:pPr>
             <a:r>
-              <a:rPr lang="de-DE" dirty="0" err="1" smtClean="0"/>
-              <a:t>Subsets</a:t>
-            </a:r>
-            <a:r>
-              <a:rPr lang="de-DE" dirty="0" smtClean="0"/>
-              <a:t> </a:t>
-            </a:r>
-            <a:r>
-              <a:rPr lang="de-DE" dirty="0" err="1" smtClean="0"/>
-              <a:t>to</a:t>
-            </a:r>
-            <a:r>
-              <a:rPr lang="de-DE" dirty="0" smtClean="0"/>
-              <a:t> </a:t>
-            </a:r>
-            <a:r>
-              <a:rPr lang="de-DE" dirty="0" err="1" smtClean="0"/>
-              <a:t>evaluate</a:t>
-            </a:r>
-            <a:r>
-              <a:rPr lang="de-DE" dirty="0" smtClean="0"/>
-              <a:t> </a:t>
-            </a:r>
-            <a:r>
-              <a:rPr lang="de-DE" dirty="0" err="1" smtClean="0"/>
-              <a:t>performance</a:t>
-            </a:r>
-            <a:r>
-              <a:rPr lang="de-DE" dirty="0" smtClean="0"/>
-              <a:t> on </a:t>
-            </a:r>
-            <a:r>
-              <a:rPr lang="de-DE" dirty="0" err="1" smtClean="0"/>
-              <a:t>binary</a:t>
-            </a:r>
-            <a:r>
-              <a:rPr lang="de-DE" dirty="0" smtClean="0"/>
-              <a:t> </a:t>
-            </a:r>
-            <a:r>
-              <a:rPr lang="de-DE" dirty="0" err="1" smtClean="0"/>
-              <a:t>classification</a:t>
-            </a:r>
-            <a:r>
-              <a:rPr lang="de-DE" dirty="0" smtClean="0"/>
-              <a:t> </a:t>
-            </a:r>
-            <a:r>
-              <a:rPr lang="de-DE" dirty="0" err="1" smtClean="0"/>
-              <a:t>tasks</a:t>
-            </a:r>
-            <a:r>
-              <a:rPr lang="de-DE" dirty="0" smtClean="0"/>
-              <a:t> </a:t>
-            </a:r>
-            <a:r>
-              <a:rPr lang="de-DE" dirty="0" err="1" smtClean="0"/>
-              <a:t>aimed</a:t>
-            </a:r>
-            <a:r>
-              <a:rPr lang="de-DE" dirty="0" smtClean="0"/>
-              <a:t> </a:t>
-            </a:r>
-            <a:r>
-              <a:rPr lang="de-DE" dirty="0" err="1" smtClean="0"/>
-              <a:t>to</a:t>
-            </a:r>
-            <a:r>
-              <a:rPr lang="de-DE" dirty="0" smtClean="0"/>
-              <a:t> </a:t>
-            </a:r>
-            <a:r>
-              <a:rPr lang="de-DE" dirty="0" err="1" smtClean="0"/>
-              <a:t>identify</a:t>
-            </a:r>
-            <a:r>
-              <a:rPr lang="de-DE" dirty="0" smtClean="0"/>
-              <a:t> individual emotional </a:t>
-            </a:r>
-            <a:r>
-              <a:rPr lang="de-DE" dirty="0" err="1" smtClean="0"/>
-              <a:t>states</a:t>
-            </a:r>
-            <a:r>
-              <a:rPr lang="de-DE" dirty="0"/>
-              <a:t> </a:t>
-            </a:r>
-          </a:p>
-          <a:p>
-            <a:pPr marL="342900" indent="-342900">
-              <a:buFont typeface="Arial" panose="020B0604020202020204" pitchFamily="34" charset="0"/>
-              <a:buChar char="•"/>
-            </a:pPr>
-            <a:endParaRPr lang="de-DE" dirty="0" smtClean="0"/>
-          </a:p>
-          <a:p>
-            <a:pPr marL="342900" indent="-342900">
-              <a:buFont typeface="Arial" panose="020B0604020202020204" pitchFamily="34" charset="0"/>
-              <a:buChar char="•"/>
-            </a:pPr>
-            <a:r>
               <a:rPr lang="de-DE" dirty="0" err="1"/>
-              <a:t>Subsets</a:t>
-            </a:r>
-            <a:r>
-              <a:rPr lang="de-DE" dirty="0"/>
-              <a:t> </a:t>
-            </a:r>
-            <a:r>
-              <a:rPr lang="de-DE" dirty="0" err="1"/>
-              <a:t>to</a:t>
-            </a:r>
-            <a:r>
-              <a:rPr lang="de-DE" dirty="0"/>
-              <a:t> </a:t>
-            </a:r>
-            <a:r>
-              <a:rPr lang="de-DE" dirty="0" err="1"/>
-              <a:t>evaluate</a:t>
-            </a:r>
-            <a:r>
-              <a:rPr lang="de-DE" dirty="0"/>
-              <a:t> </a:t>
-            </a:r>
-            <a:r>
-              <a:rPr lang="de-DE" dirty="0" err="1"/>
-              <a:t>performance</a:t>
-            </a:r>
-            <a:r>
-              <a:rPr lang="de-DE" dirty="0"/>
-              <a:t> on </a:t>
-            </a:r>
-            <a:r>
-              <a:rPr lang="de-DE" dirty="0" err="1"/>
-              <a:t>binary</a:t>
-            </a:r>
-            <a:r>
-              <a:rPr lang="de-DE" dirty="0"/>
-              <a:t> </a:t>
-            </a:r>
-            <a:r>
-              <a:rPr lang="de-DE" dirty="0" err="1"/>
-              <a:t>classification</a:t>
-            </a:r>
-            <a:r>
-              <a:rPr lang="de-DE" dirty="0"/>
-              <a:t> </a:t>
-            </a:r>
-            <a:r>
-              <a:rPr lang="de-DE" dirty="0" err="1" smtClean="0"/>
-              <a:t>tasks</a:t>
-            </a:r>
-            <a:r>
-              <a:rPr lang="de-DE" dirty="0" smtClean="0"/>
-              <a:t> </a:t>
-            </a:r>
-            <a:r>
-              <a:rPr lang="de-DE" dirty="0" err="1" smtClean="0"/>
-              <a:t>aimed</a:t>
-            </a:r>
-            <a:r>
-              <a:rPr lang="de-DE" dirty="0" smtClean="0"/>
-              <a:t> </a:t>
-            </a:r>
-            <a:r>
-              <a:rPr lang="de-DE" dirty="0" err="1" smtClean="0"/>
-              <a:t>to</a:t>
-            </a:r>
-            <a:r>
-              <a:rPr lang="de-DE" dirty="0" smtClean="0"/>
-              <a:t> </a:t>
-            </a:r>
-            <a:r>
-              <a:rPr lang="de-DE" dirty="0" err="1" smtClean="0"/>
-              <a:t>distinguish</a:t>
+              <a:t>D</a:t>
+            </a:r>
+            <a:r>
+              <a:rPr lang="de-DE" dirty="0" err="1" smtClean="0"/>
+              <a:t>istinguish</a:t>
             </a:r>
             <a:r>
               <a:rPr lang="de-DE" dirty="0" smtClean="0"/>
@@ -20387,7 +20503,7 @@
         <p:spPr>
           <a:xfrm>
             <a:off x="934257" y="1275364"/>
-            <a:ext cx="7730187" cy="3170099"/>
+            <a:ext cx="7730187" cy="4093428"/>
           </a:xfrm>
           <a:prstGeom prst="rect">
             <a:avLst/>
@@ -20405,16 +20521,101 @@
               <a:t>Feature </a:t>
             </a:r>
             <a:r>
-              <a:rPr lang="de-DE" b="1" dirty="0" err="1" smtClean="0"/>
-              <a:t>sets</a:t>
-            </a:r>
-            <a:endParaRPr lang="de-DE" b="1" dirty="0"/>
-          </a:p>
-          <a:p>
-            <a:pPr marL="342900" indent="-342900">
-              <a:buFont typeface="Arial" panose="020B0604020202020204" pitchFamily="34" charset="0"/>
-              <a:buChar char="•"/>
-            </a:pPr>
+              <a:rPr lang="de-DE" b="1" dirty="0" smtClean="0"/>
+              <a:t>Sets</a:t>
+            </a:r>
+          </a:p>
+          <a:p>
+            <a:endParaRPr lang="de-DE" dirty="0"/>
+          </a:p>
+          <a:p>
+            <a:r>
+              <a:rPr lang="de-DE" dirty="0" err="1" smtClean="0"/>
+              <a:t>To</a:t>
+            </a:r>
+            <a:r>
+              <a:rPr lang="de-DE" dirty="0" smtClean="0"/>
+              <a:t> </a:t>
+            </a:r>
+            <a:r>
+              <a:rPr lang="de-DE" dirty="0" err="1" smtClean="0"/>
+              <a:t>investigate</a:t>
+            </a:r>
+            <a:r>
+              <a:rPr lang="de-DE" dirty="0" smtClean="0"/>
+              <a:t> </a:t>
+            </a:r>
+            <a:r>
+              <a:rPr lang="de-DE" dirty="0" err="1"/>
+              <a:t>the</a:t>
+            </a:r>
+            <a:r>
+              <a:rPr lang="de-DE" dirty="0"/>
+              <a:t> </a:t>
+            </a:r>
+            <a:r>
+              <a:rPr lang="de-DE" dirty="0" err="1"/>
+              <a:t>effects</a:t>
+            </a:r>
+            <a:r>
+              <a:rPr lang="de-DE" dirty="0"/>
+              <a:t> </a:t>
+            </a:r>
+            <a:r>
+              <a:rPr lang="de-DE" dirty="0" err="1"/>
+              <a:t>of</a:t>
+            </a:r>
+            <a:r>
+              <a:rPr lang="de-DE" dirty="0"/>
+              <a:t> </a:t>
+            </a:r>
+            <a:r>
+              <a:rPr lang="de-DE" dirty="0" err="1"/>
+              <a:t>certain</a:t>
+            </a:r>
+            <a:r>
+              <a:rPr lang="de-DE" dirty="0"/>
+              <a:t> </a:t>
+            </a:r>
+            <a:r>
+              <a:rPr lang="de-DE" dirty="0" err="1"/>
+              <a:t>feature</a:t>
+            </a:r>
+            <a:r>
+              <a:rPr lang="de-DE" dirty="0"/>
+              <a:t> </a:t>
+            </a:r>
+            <a:r>
+              <a:rPr lang="de-DE" dirty="0" err="1"/>
+              <a:t>combinations</a:t>
+            </a:r>
+            <a:r>
+              <a:rPr lang="de-DE" dirty="0"/>
+              <a:t> </a:t>
+            </a:r>
+            <a:r>
+              <a:rPr lang="de-DE" dirty="0" err="1"/>
+              <a:t>and</a:t>
+            </a:r>
+            <a:r>
+              <a:rPr lang="de-DE" dirty="0"/>
+              <a:t> individual </a:t>
+            </a:r>
+            <a:r>
+              <a:rPr lang="de-DE" dirty="0" err="1"/>
+              <a:t>feature</a:t>
+            </a:r>
+            <a:r>
+              <a:rPr lang="de-DE" dirty="0"/>
+              <a:t> </a:t>
+            </a:r>
+            <a:r>
+              <a:rPr lang="de-DE" dirty="0" err="1"/>
+              <a:t>groups</a:t>
+            </a:r>
+            <a:endParaRPr lang="en-GB" dirty="0"/>
+          </a:p>
+          <a:p>
             <a:endParaRPr lang="de-DE" dirty="0"/>
           </a:p>
           <a:p>
@@ -21162,31 +21363,23 @@
             </a:pPr>
             <a:r>
               <a:rPr lang="de-DE" dirty="0" err="1" smtClean="0"/>
-              <a:t>Conducted</a:t>
-            </a:r>
-            <a:r>
-              <a:rPr lang="de-DE" dirty="0" smtClean="0"/>
-              <a:t> </a:t>
-            </a:r>
-            <a:r>
-              <a:rPr lang="de-DE" dirty="0" err="1" smtClean="0"/>
               <a:t>for</a:t>
             </a:r>
             <a:r>
               <a:rPr lang="de-DE" dirty="0" smtClean="0"/>
-              <a:t> </a:t>
-            </a:r>
-            <a:r>
-              <a:rPr lang="de-DE" dirty="0" err="1" smtClean="0"/>
-              <a:t>every</a:t>
-            </a:r>
-            <a:r>
-              <a:rPr lang="de-DE" dirty="0" smtClean="0"/>
-              <a:t> </a:t>
-            </a:r>
-            <a:r>
-              <a:rPr lang="de-DE" dirty="0" err="1" smtClean="0"/>
-              <a:t>algorithm</a:t>
+              <a:t> all </a:t>
+            </a:r>
+            <a:r>
+              <a:rPr lang="de-DE" dirty="0" err="1" smtClean="0"/>
+              <a:t>four</a:t>
+            </a:r>
+            <a:r>
+              <a:rPr lang="de-DE" dirty="0" smtClean="0"/>
+              <a:t> </a:t>
+            </a:r>
+            <a:r>
+              <a:rPr lang="de-DE" dirty="0" err="1" smtClean="0"/>
+              <a:t>algorithms</a:t>
             </a:r>
             <a:r>
               <a:rPr lang="de-DE" dirty="0" smtClean="0"/>
@@ -21455,7 +21648,7 @@
             </a:r>
           </a:p>
           <a:p>
-            <a:endParaRPr lang="de-DE" dirty="0"/>
+            <a:endParaRPr lang="de-DE" dirty="0" smtClean="0"/>
           </a:p>
           <a:p>
             <a:pPr marL="342900" indent="-342900">
@@ -21468,7 +21661,11 @@
             </a:r>
             <a:r>
               <a:rPr lang="de-DE" dirty="0" smtClean="0"/>
-              <a:t> on </a:t>
+              <a:t> </a:t>
+            </a:r>
+            <a:r>
+              <a:rPr lang="de-DE" dirty="0" smtClean="0"/>
+              <a:t>on </a:t>
             </a:r>
             <a:r>
               <a:rPr lang="de-DE" dirty="0" err="1" smtClean="0"/>
@@ -21479,12 +21676,16 @@
               <a:t> </a:t>
             </a:r>
             <a:r>
-              <a:rPr lang="de-DE" dirty="0" err="1"/>
-              <a:t>a</a:t>
-            </a:r>
-            <a:r>
-              <a:rPr lang="de-DE" dirty="0" err="1" smtClean="0"/>
-              <a:t>ccuracy</a:t>
+              <a:rPr lang="de-DE" dirty="0" err="1" smtClean="0"/>
+              <a:t>classification</a:t>
+            </a:r>
+            <a:r>
+              <a:rPr lang="de-DE" dirty="0" smtClean="0"/>
+              <a:t> </a:t>
+            </a:r>
+            <a:r>
+              <a:rPr lang="de-DE" dirty="0" err="1" smtClean="0"/>
+              <a:t>accuracy</a:t>
             </a:r>
             <a:r>
               <a:rPr lang="de-DE" dirty="0" smtClean="0"/>
@@ -21516,15 +21717,7 @@
             </a:r>
             <a:r>
               <a:rPr lang="de-DE" dirty="0" err="1" smtClean="0"/>
-              <a:t>performing</a:t>
-            </a:r>
-            <a:r>
-              <a:rPr lang="de-DE" dirty="0" smtClean="0"/>
-              <a:t> </a:t>
-            </a:r>
-            <a:r>
-              <a:rPr lang="de-DE" dirty="0" err="1" smtClean="0"/>
-              <a:t>classifiers</a:t>
+              <a:t>estimators</a:t>
             </a:r>
             <a:r>
               <a:rPr lang="de-DE" dirty="0" smtClean="0"/>
@@ -21557,6 +21750,14 @@
             <a:r>
               <a:rPr lang="de-DE" dirty="0" err="1" smtClean="0"/>
               <a:t>the</a:t>
+            </a:r>
+            <a:r>
+              <a:rPr lang="de-DE" dirty="0" smtClean="0"/>
+              <a:t> </a:t>
+            </a:r>
+            <a:r>
+              <a:rPr lang="de-DE" dirty="0" err="1" smtClean="0"/>
+              <a:t>reserved</a:t>
             </a:r>
             <a:r>
               <a:rPr lang="de-DE" dirty="0" smtClean="0"/>
@@ -22795,8 +22996,12 @@
               <a:buChar char="•"/>
             </a:pPr>
             <a:r>
-              <a:rPr lang="de-DE" dirty="0" err="1" smtClean="0"/>
-              <a:t>Method</a:t>
+              <a:rPr lang="de-DE" dirty="0" smtClean="0"/>
+              <a:t>Providing a </a:t>
+            </a:r>
+            <a:r>
+              <a:rPr lang="de-DE" dirty="0" err="1" smtClean="0"/>
+              <a:t>method</a:t>
             </a:r>
             <a:r>
               <a:rPr lang="de-DE" dirty="0" smtClean="0"/>
@@ -25131,13 +25336,10 @@
               <a:t> </a:t>
             </a:r>
             <a:r>
-              <a:rPr lang="de-DE" sz="1800" i="1" dirty="0" err="1"/>
+              <a:rPr lang="de-DE" sz="1800" i="1" dirty="0" err="1" smtClean="0"/>
               <a:t>recognition</a:t>
             </a:r>
-            <a:r>
-              <a:rPr lang="de-DE" sz="1800" dirty="0"/>
-              <a:t>)</a:t>
-            </a:r>
+            <a:endParaRPr lang="de-DE" sz="1800" dirty="0"/>
           </a:p>
           <a:p>
             <a:pPr marL="285750" indent="-285750">
@@ -27611,7 +27813,7 @@
   </a:extraClrSchemeLst>
   <a:extLst>
     <a:ext uri="{05A4C25C-085E-4340-85A3-A5531E510DB2}">
-      <thm15:themeFamily xmlns="" xmlns:thm15="http://schemas.microsoft.com/office/thememl/2012/main" name="Office Theme" id="{62F939B6-93AF-4DB8-9C6B-D6C7DFDC589F}" vid="{4A3C46E8-61CC-4603-A589-7422A47A8E4A}"/>
+      <thm15:themeFamily xmlns:thm15="http://schemas.microsoft.com/office/thememl/2012/main" xmlns="" name="Office Theme" id="{62F939B6-93AF-4DB8-9C6B-D6C7DFDC589F}" vid="{4A3C46E8-61CC-4603-A589-7422A47A8E4A}"/>
     </a:ext>
   </a:extLst>
 </a:theme>
@@ -27872,7 +28074,7 @@
   <a:extraClrSchemeLst/>
   <a:extLst>
     <a:ext uri="{05A4C25C-085E-4340-85A3-A5531E510DB2}">
-      <thm15:themeFamily xmlns="" xmlns:thm15="http://schemas.microsoft.com/office/thememl/2012/main" name="Office Theme" id="{62F939B6-93AF-4DB8-9C6B-D6C7DFDC589F}" vid="{4A3C46E8-61CC-4603-A589-7422A47A8E4A}"/>
+      <thm15:themeFamily xmlns:thm15="http://schemas.microsoft.com/office/thememl/2012/main" xmlns="" name="Office Theme" id="{62F939B6-93AF-4DB8-9C6B-D6C7DFDC589F}" vid="{4A3C46E8-61CC-4603-A589-7422A47A8E4A}"/>
     </a:ext>
   </a:extLst>
 </a:theme>
@@ -28133,7 +28335,7 @@
   <a:extraClrSchemeLst/>
   <a:extLst>
     <a:ext uri="{05A4C25C-085E-4340-85A3-A5531E510DB2}">
-      <thm15:themeFamily xmlns="" xmlns:thm15="http://schemas.microsoft.com/office/thememl/2012/main" name="Office Theme" id="{62F939B6-93AF-4DB8-9C6B-D6C7DFDC589F}" vid="{4A3C46E8-61CC-4603-A589-7422A47A8E4A}"/>
+      <thm15:themeFamily xmlns:thm15="http://schemas.microsoft.com/office/thememl/2012/main" xmlns="" name="Office Theme" id="{62F939B6-93AF-4DB8-9C6B-D6C7DFDC589F}" vid="{4A3C46E8-61CC-4603-A589-7422A47A8E4A}"/>
     </a:ext>
   </a:extLst>
 </a:theme>

--- a/Kolloquium-Master/kolloquium.pptx
+++ b/Kolloquium-Master/kolloquium.pptx
@@ -186,7 +186,7 @@
   </p:defaultTextStyle>
   <p:extLst>
     <p:ext uri="{EFAFB233-063F-42B5-8137-9DF3F51BA10A}">
-      <p15:sldGuideLst xmlns:p15="http://schemas.microsoft.com/office/powerpoint/2012/main" xmlns="">
+      <p15:sldGuideLst xmlns="" xmlns:p15="http://schemas.microsoft.com/office/powerpoint/2012/main">
         <p15:guide id="2" pos="2631" userDrawn="1">
           <p15:clr>
             <a:srgbClr val="A4A3A4"/>
@@ -11562,31 +11562,23 @@
             </a:r>
             <a:r>
               <a:rPr lang="de-DE" dirty="0" smtClean="0"/>
+              <a:t>, 7 male/ 7 </a:t>
+            </a:r>
+            <a:r>
+              <a:rPr lang="de-DE" dirty="0" err="1" smtClean="0"/>
+              <a:t>female</a:t>
+            </a:r>
+            <a:r>
+              <a:rPr lang="de-DE" dirty="0" smtClean="0"/>
               <a:t>, </a:t>
             </a:r>
             <a:r>
-              <a:rPr lang="de-DE" dirty="0" smtClean="0"/>
-              <a:t>7 male/ 7 </a:t>
-            </a:r>
-            <a:r>
-              <a:rPr lang="de-DE" dirty="0" err="1" smtClean="0"/>
-              <a:t>female</a:t>
-            </a:r>
-            <a:r>
-              <a:rPr lang="de-DE" dirty="0" smtClean="0"/>
-              <a:t>, </a:t>
-            </a:r>
-            <a:r>
               <a:rPr lang="de-DE" dirty="0" err="1" smtClean="0"/>
               <a:t>aged</a:t>
             </a:r>
             <a:r>
               <a:rPr lang="de-DE" dirty="0" smtClean="0"/>
-              <a:t> </a:t>
-            </a:r>
-            <a:r>
-              <a:rPr lang="de-DE" dirty="0" smtClean="0"/>
-              <a:t>24-50 </a:t>
+              <a:t> 24-50 </a:t>
             </a:r>
             <a:r>
               <a:rPr lang="de-DE" dirty="0" err="1" smtClean="0"/>
@@ -11632,13 +11624,8 @@
             </a:r>
             <a:r>
               <a:rPr lang="de-DE" dirty="0" smtClean="0"/>
-              <a:t> </a:t>
-            </a:r>
-            <a:r>
-              <a:rPr lang="de-DE" dirty="0" smtClean="0"/>
-              <a:t>Test</a:t>
-            </a:r>
-            <a:endParaRPr lang="de-DE" dirty="0" smtClean="0"/>
+              <a:t> Test</a:t>
+            </a:r>
           </a:p>
           <a:p>
             <a:pPr marL="342900" indent="-342900">
@@ -11977,7 +11964,19 @@
             </a:r>
             <a:r>
               <a:rPr lang="de-DE" dirty="0" smtClean="0"/>
-              <a:t> after </a:t>
+              <a:t> </a:t>
+            </a:r>
+            <a:r>
+              <a:rPr lang="de-DE" dirty="0" smtClean="0"/>
+              <a:t>after </a:t>
+            </a:r>
+            <a:r>
+              <a:rPr lang="de-DE" dirty="0" err="1" smtClean="0"/>
+              <a:t>each</a:t>
+            </a:r>
+            <a:r>
+              <a:rPr lang="de-DE" dirty="0" smtClean="0"/>
+              <a:t> </a:t>
             </a:r>
             <a:r>
               <a:rPr lang="de-DE" dirty="0" err="1" smtClean="0"/>
@@ -14738,11 +14737,7 @@
             </a:r>
             <a:r>
               <a:rPr lang="de-DE" dirty="0" smtClean="0"/>
-              <a:t> block </a:t>
-            </a:r>
-            <a:r>
-              <a:rPr lang="de-DE" dirty="0" smtClean="0"/>
-              <a:t>was </a:t>
+              <a:t> block was </a:t>
             </a:r>
             <a:r>
               <a:rPr lang="de-DE" dirty="0" err="1" smtClean="0"/>
@@ -14798,11 +14793,7 @@
             </a:r>
             <a:r>
               <a:rPr lang="de-DE" dirty="0" smtClean="0"/>
-              <a:t> </a:t>
-            </a:r>
-            <a:r>
-              <a:rPr lang="de-DE" dirty="0" smtClean="0"/>
-              <a:t>a </a:t>
+              <a:t> a </a:t>
             </a:r>
             <a:r>
               <a:rPr lang="de-DE" dirty="0" err="1" smtClean="0"/>
@@ -15366,15 +15357,7 @@
             </a:pPr>
             <a:r>
               <a:rPr lang="de-DE" dirty="0" smtClean="0"/>
-              <a:t>A block </a:t>
-            </a:r>
-            <a:r>
-              <a:rPr lang="de-DE" dirty="0" smtClean="0"/>
-              <a:t>was</a:t>
-            </a:r>
-            <a:r>
-              <a:rPr lang="de-DE" dirty="0" smtClean="0"/>
-              <a:t> </a:t>
+              <a:t>A block was </a:t>
             </a:r>
             <a:r>
               <a:rPr lang="de-DE" dirty="0" err="1" smtClean="0"/>
@@ -15406,15 +15389,7 @@
             </a:r>
             <a:r>
               <a:rPr lang="de-DE" dirty="0" smtClean="0"/>
-              <a:t> </a:t>
-            </a:r>
-            <a:r>
-              <a:rPr lang="de-DE" dirty="0" smtClean="0"/>
-              <a:t>was </a:t>
-            </a:r>
-            <a:r>
-              <a:rPr lang="de-DE" dirty="0" smtClean="0"/>
-              <a:t>wider </a:t>
+              <a:t> was wider </a:t>
             </a:r>
             <a:r>
               <a:rPr lang="de-DE" dirty="0" err="1" smtClean="0"/>
@@ -15926,11 +15901,7 @@
             </a:r>
             <a:r>
               <a:rPr lang="de-DE" dirty="0" smtClean="0"/>
-              <a:t> </a:t>
-            </a:r>
-            <a:r>
-              <a:rPr lang="de-DE" dirty="0" smtClean="0"/>
-              <a:t>(IBI) </a:t>
+              <a:t> (IBI) </a:t>
             </a:r>
             <a:r>
               <a:rPr lang="de-DE" dirty="0" err="1" smtClean="0"/>
@@ -16784,11 +16755,7 @@
             </a:r>
             <a:r>
               <a:rPr lang="de-DE" dirty="0" smtClean="0"/>
-              <a:t> </a:t>
-            </a:r>
-            <a:r>
-              <a:rPr lang="de-DE" dirty="0" smtClean="0"/>
-              <a:t>was </a:t>
+              <a:t> was </a:t>
             </a:r>
             <a:r>
               <a:rPr lang="de-DE" dirty="0" err="1" smtClean="0"/>
@@ -17683,11 +17650,7 @@
             </a:r>
             <a:r>
               <a:rPr lang="de-DE" dirty="0" smtClean="0"/>
-              <a:t> </a:t>
-            </a:r>
-            <a:r>
-              <a:rPr lang="de-DE" dirty="0" smtClean="0"/>
-              <a:t>at least 80% </a:t>
+              <a:t> at least 80% </a:t>
             </a:r>
             <a:r>
               <a:rPr lang="de-DE" dirty="0" err="1" smtClean="0"/>
@@ -19757,11 +19720,7 @@
             </a:pPr>
             <a:r>
               <a:rPr lang="de-DE" dirty="0" smtClean="0"/>
-              <a:t>Generating </a:t>
-            </a:r>
-            <a:r>
-              <a:rPr lang="de-DE" dirty="0" smtClean="0"/>
-              <a:t>Data- </a:t>
+              <a:t>Generating Data- </a:t>
             </a:r>
             <a:r>
               <a:rPr lang="de-DE" dirty="0" err="1" smtClean="0"/>
@@ -20070,11 +20029,7 @@
           <a:p>
             <a:r>
               <a:rPr lang="de-DE" b="1" dirty="0" smtClean="0"/>
-              <a:t>Data </a:t>
-            </a:r>
-            <a:r>
-              <a:rPr lang="de-DE" b="1" dirty="0" smtClean="0"/>
-              <a:t>Sets</a:t>
+              <a:t>Data Sets</a:t>
             </a:r>
           </a:p>
           <a:p>
@@ -20267,11 +20222,7 @@
             </a:r>
             <a:r>
               <a:rPr lang="de-DE" dirty="0" smtClean="0"/>
-              <a:t> </a:t>
-            </a:r>
-            <a:r>
-              <a:rPr lang="de-DE" dirty="0" smtClean="0"/>
-              <a:t>individual emotional </a:t>
+              <a:t> individual emotional </a:t>
             </a:r>
             <a:r>
               <a:rPr lang="de-DE" dirty="0" err="1" smtClean="0"/>
@@ -20518,11 +20469,7 @@
           <a:p>
             <a:r>
               <a:rPr lang="de-DE" b="1" dirty="0" smtClean="0"/>
-              <a:t>Feature </a:t>
-            </a:r>
-            <a:r>
-              <a:rPr lang="de-DE" b="1" dirty="0" smtClean="0"/>
-              <a:t>Sets</a:t>
+              <a:t>Feature Sets</a:t>
             </a:r>
           </a:p>
           <a:p>
@@ -21661,11 +21608,7 @@
             </a:r>
             <a:r>
               <a:rPr lang="de-DE" dirty="0" smtClean="0"/>
-              <a:t> </a:t>
-            </a:r>
-            <a:r>
-              <a:rPr lang="de-DE" dirty="0" smtClean="0"/>
-              <a:t>on </a:t>
+              <a:t> on </a:t>
             </a:r>
             <a:r>
               <a:rPr lang="de-DE" dirty="0" err="1" smtClean="0"/>
@@ -27813,7 +27756,7 @@
   </a:extraClrSchemeLst>
   <a:extLst>
     <a:ext uri="{05A4C25C-085E-4340-85A3-A5531E510DB2}">
-      <thm15:themeFamily xmlns:thm15="http://schemas.microsoft.com/office/thememl/2012/main" xmlns="" name="Office Theme" id="{62F939B6-93AF-4DB8-9C6B-D6C7DFDC589F}" vid="{4A3C46E8-61CC-4603-A589-7422A47A8E4A}"/>
+      <thm15:themeFamily xmlns="" xmlns:thm15="http://schemas.microsoft.com/office/thememl/2012/main" name="Office Theme" id="{62F939B6-93AF-4DB8-9C6B-D6C7DFDC589F}" vid="{4A3C46E8-61CC-4603-A589-7422A47A8E4A}"/>
     </a:ext>
   </a:extLst>
 </a:theme>
@@ -28074,7 +28017,7 @@
   <a:extraClrSchemeLst/>
   <a:extLst>
     <a:ext uri="{05A4C25C-085E-4340-85A3-A5531E510DB2}">
-      <thm15:themeFamily xmlns:thm15="http://schemas.microsoft.com/office/thememl/2012/main" xmlns="" name="Office Theme" id="{62F939B6-93AF-4DB8-9C6B-D6C7DFDC589F}" vid="{4A3C46E8-61CC-4603-A589-7422A47A8E4A}"/>
+      <thm15:themeFamily xmlns="" xmlns:thm15="http://schemas.microsoft.com/office/thememl/2012/main" name="Office Theme" id="{62F939B6-93AF-4DB8-9C6B-D6C7DFDC589F}" vid="{4A3C46E8-61CC-4603-A589-7422A47A8E4A}"/>
     </a:ext>
   </a:extLst>
 </a:theme>
@@ -28335,7 +28278,7 @@
   <a:extraClrSchemeLst/>
   <a:extLst>
     <a:ext uri="{05A4C25C-085E-4340-85A3-A5531E510DB2}">
-      <thm15:themeFamily xmlns:thm15="http://schemas.microsoft.com/office/thememl/2012/main" xmlns="" name="Office Theme" id="{62F939B6-93AF-4DB8-9C6B-D6C7DFDC589F}" vid="{4A3C46E8-61CC-4603-A589-7422A47A8E4A}"/>
+      <thm15:themeFamily xmlns="" xmlns:thm15="http://schemas.microsoft.com/office/thememl/2012/main" name="Office Theme" id="{62F939B6-93AF-4DB8-9C6B-D6C7DFDC589F}" vid="{4A3C46E8-61CC-4603-A589-7422A47A8E4A}"/>
     </a:ext>
   </a:extLst>
 </a:theme>
